--- a/figures/sph/sedov_flecsph_results.pptx
+++ b/figures/sph/sedov_flecsph_results.pptx
@@ -2,12 +2,12 @@
 <file path=ppt/presentation.xml><?xml version="1.0" encoding="utf-8"?>
 <p:presentation xmlns:a="http://schemas.openxmlformats.org/drawingml/2006/main" xmlns:r="http://schemas.openxmlformats.org/officeDocument/2006/relationships" xmlns:p="http://schemas.openxmlformats.org/presentationml/2006/main" saveSubsetFonts="1">
   <p:sldMasterIdLst>
-    <p:sldMasterId id="2147483672" r:id="rId1"/>
+    <p:sldMasterId id="2147483684" r:id="rId1"/>
   </p:sldMasterIdLst>
   <p:sldIdLst>
     <p:sldId id="256" r:id="rId2"/>
   </p:sldIdLst>
-  <p:sldSz cx="6583363" cy="6583363"/>
+  <p:sldSz cx="13166725" cy="3292475"/>
   <p:notesSz cx="6858000" cy="9144000"/>
   <p:defaultTextStyle>
     <a:defPPr>
@@ -107,12 +107,12 @@
   <p:extLst>
     <p:ext uri="{EFAFB233-063F-42B5-8137-9DF3F51BA10A}">
       <p15:sldGuideLst xmlns:p15="http://schemas.microsoft.com/office/powerpoint/2012/main">
-        <p15:guide id="1" orient="horz" pos="2074" userDrawn="1">
+        <p15:guide id="1" orient="horz" pos="1037" userDrawn="1">
           <p15:clr>
             <a:srgbClr val="A4A3A4"/>
           </p15:clr>
         </p15:guide>
-        <p15:guide id="2" pos="2074" userDrawn="1">
+        <p15:guide id="2" pos="4148" userDrawn="1">
           <p15:clr>
             <a:srgbClr val="A4A3A4"/>
           </p15:clr>
@@ -152,15 +152,15 @@
         </p:nvSpPr>
         <p:spPr>
           <a:xfrm>
-            <a:off x="493752" y="1077416"/>
-            <a:ext cx="5595859" cy="2291986"/>
+            <a:off x="1645841" y="538838"/>
+            <a:ext cx="9875044" cy="1146269"/>
           </a:xfrm>
         </p:spPr>
         <p:txBody>
           <a:bodyPr anchor="b"/>
           <a:lstStyle>
             <a:lvl1pPr algn="ctr">
-              <a:defRPr sz="4320"/>
+              <a:defRPr sz="2881"/>
             </a:lvl1pPr>
           </a:lstStyle>
           <a:p>
@@ -184,8 +184,8 @@
         </p:nvSpPr>
         <p:spPr>
           <a:xfrm>
-            <a:off x="822921" y="3457790"/>
-            <a:ext cx="4937522" cy="1589455"/>
+            <a:off x="1645841" y="1729312"/>
+            <a:ext cx="9875044" cy="794919"/>
           </a:xfrm>
         </p:spPr>
         <p:txBody>
@@ -193,39 +193,39 @@
           <a:lstStyle>
             <a:lvl1pPr marL="0" indent="0" algn="ctr">
               <a:buNone/>
-              <a:defRPr sz="1728"/>
+              <a:defRPr sz="1152"/>
             </a:lvl1pPr>
-            <a:lvl2pPr marL="329184" indent="0" algn="ctr">
-              <a:buNone/>
-              <a:defRPr sz="1440"/>
+            <a:lvl2pPr marL="219502" indent="0" algn="ctr">
+              <a:buNone/>
+              <a:defRPr sz="960"/>
             </a:lvl2pPr>
-            <a:lvl3pPr marL="658368" indent="0" algn="ctr">
-              <a:buNone/>
-              <a:defRPr sz="1296"/>
+            <a:lvl3pPr marL="439003" indent="0" algn="ctr">
+              <a:buNone/>
+              <a:defRPr sz="864"/>
             </a:lvl3pPr>
-            <a:lvl4pPr marL="987552" indent="0" algn="ctr">
-              <a:buNone/>
-              <a:defRPr sz="1152"/>
+            <a:lvl4pPr marL="658505" indent="0" algn="ctr">
+              <a:buNone/>
+              <a:defRPr sz="768"/>
             </a:lvl4pPr>
-            <a:lvl5pPr marL="1316736" indent="0" algn="ctr">
-              <a:buNone/>
-              <a:defRPr sz="1152"/>
+            <a:lvl5pPr marL="878007" indent="0" algn="ctr">
+              <a:buNone/>
+              <a:defRPr sz="768"/>
             </a:lvl5pPr>
-            <a:lvl6pPr marL="1645920" indent="0" algn="ctr">
-              <a:buNone/>
-              <a:defRPr sz="1152"/>
+            <a:lvl6pPr marL="1097509" indent="0" algn="ctr">
+              <a:buNone/>
+              <a:defRPr sz="768"/>
             </a:lvl6pPr>
-            <a:lvl7pPr marL="1975104" indent="0" algn="ctr">
-              <a:buNone/>
-              <a:defRPr sz="1152"/>
+            <a:lvl7pPr marL="1317010" indent="0" algn="ctr">
+              <a:buNone/>
+              <a:defRPr sz="768"/>
             </a:lvl7pPr>
-            <a:lvl8pPr marL="2304288" indent="0" algn="ctr">
-              <a:buNone/>
-              <a:defRPr sz="1152"/>
+            <a:lvl8pPr marL="1536512" indent="0" algn="ctr">
+              <a:buNone/>
+              <a:defRPr sz="768"/>
             </a:lvl8pPr>
-            <a:lvl9pPr marL="2633472" indent="0" algn="ctr">
-              <a:buNone/>
-              <a:defRPr sz="1152"/>
+            <a:lvl9pPr marL="1756014" indent="0" algn="ctr">
+              <a:buNone/>
+              <a:defRPr sz="768"/>
             </a:lvl9pPr>
           </a:lstStyle>
           <a:p>
@@ -254,7 +254,7 @@
           <a:p>
             <a:fld id="{0F9D4542-8960-0C4A-B481-65CF557F69A4}" type="datetimeFigureOut">
               <a:rPr lang="en-US" smtClean="0"/>
-              <a:t>1/30/18</a:t>
+              <a:t>3/23/18</a:t>
             </a:fld>
             <a:endParaRPr lang="en-US"/>
           </a:p>
@@ -305,7 +305,7 @@
     </p:spTree>
     <p:extLst>
       <p:ext uri="{BB962C8B-B14F-4D97-AF65-F5344CB8AC3E}">
-        <p14:creationId xmlns:p14="http://schemas.microsoft.com/office/powerpoint/2010/main" val="3845378484"/>
+        <p14:creationId xmlns:p14="http://schemas.microsoft.com/office/powerpoint/2010/main" val="3458259367"/>
       </p:ext>
     </p:extLst>
   </p:cSld>
@@ -424,7 +424,7 @@
           <a:p>
             <a:fld id="{0F9D4542-8960-0C4A-B481-65CF557F69A4}" type="datetimeFigureOut">
               <a:rPr lang="en-US" smtClean="0"/>
-              <a:t>1/30/18</a:t>
+              <a:t>3/23/18</a:t>
             </a:fld>
             <a:endParaRPr lang="en-US"/>
           </a:p>
@@ -475,7 +475,7 @@
     </p:spTree>
     <p:extLst>
       <p:ext uri="{BB962C8B-B14F-4D97-AF65-F5344CB8AC3E}">
-        <p14:creationId xmlns:p14="http://schemas.microsoft.com/office/powerpoint/2010/main" val="1149088347"/>
+        <p14:creationId xmlns:p14="http://schemas.microsoft.com/office/powerpoint/2010/main" val="875611095"/>
       </p:ext>
     </p:extLst>
   </p:cSld>
@@ -514,8 +514,8 @@
         </p:nvSpPr>
         <p:spPr>
           <a:xfrm>
-            <a:off x="4711219" y="350503"/>
-            <a:ext cx="1419538" cy="5579096"/>
+            <a:off x="9422438" y="175294"/>
+            <a:ext cx="2839075" cy="2790220"/>
           </a:xfrm>
         </p:spPr>
         <p:txBody>
@@ -542,8 +542,8 @@
         </p:nvSpPr>
         <p:spPr>
           <a:xfrm>
-            <a:off x="452607" y="350503"/>
-            <a:ext cx="4176321" cy="5579096"/>
+            <a:off x="905212" y="175294"/>
+            <a:ext cx="8352641" cy="2790220"/>
           </a:xfrm>
         </p:spPr>
         <p:txBody>
@@ -604,7 +604,7 @@
           <a:p>
             <a:fld id="{0F9D4542-8960-0C4A-B481-65CF557F69A4}" type="datetimeFigureOut">
               <a:rPr lang="en-US" smtClean="0"/>
-              <a:t>1/30/18</a:t>
+              <a:t>3/23/18</a:t>
             </a:fld>
             <a:endParaRPr lang="en-US"/>
           </a:p>
@@ -655,7 +655,7 @@
     </p:spTree>
     <p:extLst>
       <p:ext uri="{BB962C8B-B14F-4D97-AF65-F5344CB8AC3E}">
-        <p14:creationId xmlns:p14="http://schemas.microsoft.com/office/powerpoint/2010/main" val="3563063229"/>
+        <p14:creationId xmlns:p14="http://schemas.microsoft.com/office/powerpoint/2010/main" val="1856016441"/>
       </p:ext>
     </p:extLst>
   </p:cSld>
@@ -774,7 +774,7 @@
           <a:p>
             <a:fld id="{0F9D4542-8960-0C4A-B481-65CF557F69A4}" type="datetimeFigureOut">
               <a:rPr lang="en-US" smtClean="0"/>
-              <a:t>1/30/18</a:t>
+              <a:t>3/23/18</a:t>
             </a:fld>
             <a:endParaRPr lang="en-US"/>
           </a:p>
@@ -825,7 +825,7 @@
     </p:spTree>
     <p:extLst>
       <p:ext uri="{BB962C8B-B14F-4D97-AF65-F5344CB8AC3E}">
-        <p14:creationId xmlns:p14="http://schemas.microsoft.com/office/powerpoint/2010/main" val="3288162102"/>
+        <p14:creationId xmlns:p14="http://schemas.microsoft.com/office/powerpoint/2010/main" val="4216458786"/>
       </p:ext>
     </p:extLst>
   </p:cSld>
@@ -864,15 +864,15 @@
         </p:nvSpPr>
         <p:spPr>
           <a:xfrm>
-            <a:off x="449178" y="1641271"/>
-            <a:ext cx="5678151" cy="2738496"/>
+            <a:off x="898355" y="820833"/>
+            <a:ext cx="11356300" cy="1369578"/>
           </a:xfrm>
         </p:spPr>
         <p:txBody>
           <a:bodyPr anchor="b"/>
           <a:lstStyle>
             <a:lvl1pPr>
-              <a:defRPr sz="4320"/>
+              <a:defRPr sz="2881"/>
             </a:lvl1pPr>
           </a:lstStyle>
           <a:p>
@@ -896,8 +896,8 @@
         </p:nvSpPr>
         <p:spPr>
           <a:xfrm>
-            <a:off x="449178" y="4405674"/>
-            <a:ext cx="5678151" cy="1440110"/>
+            <a:off x="898355" y="2203367"/>
+            <a:ext cx="11356300" cy="720229"/>
           </a:xfrm>
         </p:spPr>
         <p:txBody>
@@ -905,15 +905,17 @@
           <a:lstStyle>
             <a:lvl1pPr marL="0" indent="0">
               <a:buNone/>
-              <a:defRPr sz="1728">
+              <a:defRPr sz="1152">
                 <a:solidFill>
-                  <a:schemeClr val="tx1"/>
+                  <a:schemeClr val="tx1">
+                    <a:tint val="75000"/>
+                  </a:schemeClr>
                 </a:solidFill>
               </a:defRPr>
             </a:lvl1pPr>
-            <a:lvl2pPr marL="329184" indent="0">
-              <a:buNone/>
-              <a:defRPr sz="1440">
+            <a:lvl2pPr marL="219502" indent="0">
+              <a:buNone/>
+              <a:defRPr sz="960">
                 <a:solidFill>
                   <a:schemeClr val="tx1">
                     <a:tint val="75000"/>
@@ -921,9 +923,9 @@
                 </a:solidFill>
               </a:defRPr>
             </a:lvl2pPr>
-            <a:lvl3pPr marL="658368" indent="0">
-              <a:buNone/>
-              <a:defRPr sz="1296">
+            <a:lvl3pPr marL="439003" indent="0">
+              <a:buNone/>
+              <a:defRPr sz="864">
                 <a:solidFill>
                   <a:schemeClr val="tx1">
                     <a:tint val="75000"/>
@@ -931,9 +933,9 @@
                 </a:solidFill>
               </a:defRPr>
             </a:lvl3pPr>
-            <a:lvl4pPr marL="987552" indent="0">
-              <a:buNone/>
-              <a:defRPr sz="1152">
+            <a:lvl4pPr marL="658505" indent="0">
+              <a:buNone/>
+              <a:defRPr sz="768">
                 <a:solidFill>
                   <a:schemeClr val="tx1">
                     <a:tint val="75000"/>
@@ -941,9 +943,9 @@
                 </a:solidFill>
               </a:defRPr>
             </a:lvl4pPr>
-            <a:lvl5pPr marL="1316736" indent="0">
-              <a:buNone/>
-              <a:defRPr sz="1152">
+            <a:lvl5pPr marL="878007" indent="0">
+              <a:buNone/>
+              <a:defRPr sz="768">
                 <a:solidFill>
                   <a:schemeClr val="tx1">
                     <a:tint val="75000"/>
@@ -951,9 +953,9 @@
                 </a:solidFill>
               </a:defRPr>
             </a:lvl5pPr>
-            <a:lvl6pPr marL="1645920" indent="0">
-              <a:buNone/>
-              <a:defRPr sz="1152">
+            <a:lvl6pPr marL="1097509" indent="0">
+              <a:buNone/>
+              <a:defRPr sz="768">
                 <a:solidFill>
                   <a:schemeClr val="tx1">
                     <a:tint val="75000"/>
@@ -961,9 +963,9 @@
                 </a:solidFill>
               </a:defRPr>
             </a:lvl6pPr>
-            <a:lvl7pPr marL="1975104" indent="0">
-              <a:buNone/>
-              <a:defRPr sz="1152">
+            <a:lvl7pPr marL="1317010" indent="0">
+              <a:buNone/>
+              <a:defRPr sz="768">
                 <a:solidFill>
                   <a:schemeClr val="tx1">
                     <a:tint val="75000"/>
@@ -971,9 +973,9 @@
                 </a:solidFill>
               </a:defRPr>
             </a:lvl7pPr>
-            <a:lvl8pPr marL="2304288" indent="0">
-              <a:buNone/>
-              <a:defRPr sz="1152">
+            <a:lvl8pPr marL="1536512" indent="0">
+              <a:buNone/>
+              <a:defRPr sz="768">
                 <a:solidFill>
                   <a:schemeClr val="tx1">
                     <a:tint val="75000"/>
@@ -981,9 +983,9 @@
                 </a:solidFill>
               </a:defRPr>
             </a:lvl8pPr>
-            <a:lvl9pPr marL="2633472" indent="0">
-              <a:buNone/>
-              <a:defRPr sz="1152">
+            <a:lvl9pPr marL="1756014" indent="0">
+              <a:buNone/>
+              <a:defRPr sz="768">
                 <a:solidFill>
                   <a:schemeClr val="tx1">
                     <a:tint val="75000"/>
@@ -1018,7 +1020,7 @@
           <a:p>
             <a:fld id="{0F9D4542-8960-0C4A-B481-65CF557F69A4}" type="datetimeFigureOut">
               <a:rPr lang="en-US" smtClean="0"/>
-              <a:t>1/30/18</a:t>
+              <a:t>3/23/18</a:t>
             </a:fld>
             <a:endParaRPr lang="en-US"/>
           </a:p>
@@ -1069,7 +1071,7 @@
     </p:spTree>
     <p:extLst>
       <p:ext uri="{BB962C8B-B14F-4D97-AF65-F5344CB8AC3E}">
-        <p14:creationId xmlns:p14="http://schemas.microsoft.com/office/powerpoint/2010/main" val="1148304352"/>
+        <p14:creationId xmlns:p14="http://schemas.microsoft.com/office/powerpoint/2010/main" val="2862977688"/>
       </p:ext>
     </p:extLst>
   </p:cSld>
@@ -1131,8 +1133,8 @@
         </p:nvSpPr>
         <p:spPr>
           <a:xfrm>
-            <a:off x="452606" y="1752516"/>
-            <a:ext cx="2797929" cy="4177083"/>
+            <a:off x="905212" y="876469"/>
+            <a:ext cx="5595858" cy="2089045"/>
           </a:xfrm>
         </p:spPr>
         <p:txBody>
@@ -1188,8 +1190,8 @@
         </p:nvSpPr>
         <p:spPr>
           <a:xfrm>
-            <a:off x="3332828" y="1752516"/>
-            <a:ext cx="2797929" cy="4177083"/>
+            <a:off x="6665655" y="876469"/>
+            <a:ext cx="5595858" cy="2089045"/>
           </a:xfrm>
         </p:spPr>
         <p:txBody>
@@ -1250,7 +1252,7 @@
           <a:p>
             <a:fld id="{0F9D4542-8960-0C4A-B481-65CF557F69A4}" type="datetimeFigureOut">
               <a:rPr lang="en-US" smtClean="0"/>
-              <a:t>1/30/18</a:t>
+              <a:t>3/23/18</a:t>
             </a:fld>
             <a:endParaRPr lang="en-US"/>
           </a:p>
@@ -1301,7 +1303,7 @@
     </p:spTree>
     <p:extLst>
       <p:ext uri="{BB962C8B-B14F-4D97-AF65-F5344CB8AC3E}">
-        <p14:creationId xmlns:p14="http://schemas.microsoft.com/office/powerpoint/2010/main" val="149315167"/>
+        <p14:creationId xmlns:p14="http://schemas.microsoft.com/office/powerpoint/2010/main" val="3096376122"/>
       </p:ext>
     </p:extLst>
   </p:cSld>
@@ -1340,8 +1342,8 @@
         </p:nvSpPr>
         <p:spPr>
           <a:xfrm>
-            <a:off x="453463" y="350505"/>
-            <a:ext cx="5678151" cy="1272479"/>
+            <a:off x="906927" y="175294"/>
+            <a:ext cx="11356300" cy="636393"/>
           </a:xfrm>
         </p:spPr>
         <p:txBody>
@@ -1368,8 +1370,8 @@
         </p:nvSpPr>
         <p:spPr>
           <a:xfrm>
-            <a:off x="453464" y="1613839"/>
-            <a:ext cx="2785071" cy="790917"/>
+            <a:off x="906928" y="807114"/>
+            <a:ext cx="5570141" cy="395554"/>
           </a:xfrm>
         </p:spPr>
         <p:txBody>
@@ -1377,39 +1379,39 @@
           <a:lstStyle>
             <a:lvl1pPr marL="0" indent="0">
               <a:buNone/>
-              <a:defRPr sz="1728" b="1"/>
+              <a:defRPr sz="1152" b="1"/>
             </a:lvl1pPr>
-            <a:lvl2pPr marL="329184" indent="0">
-              <a:buNone/>
-              <a:defRPr sz="1440" b="1"/>
+            <a:lvl2pPr marL="219502" indent="0">
+              <a:buNone/>
+              <a:defRPr sz="960" b="1"/>
             </a:lvl2pPr>
-            <a:lvl3pPr marL="658368" indent="0">
-              <a:buNone/>
-              <a:defRPr sz="1296" b="1"/>
+            <a:lvl3pPr marL="439003" indent="0">
+              <a:buNone/>
+              <a:defRPr sz="864" b="1"/>
             </a:lvl3pPr>
-            <a:lvl4pPr marL="987552" indent="0">
-              <a:buNone/>
-              <a:defRPr sz="1152" b="1"/>
+            <a:lvl4pPr marL="658505" indent="0">
+              <a:buNone/>
+              <a:defRPr sz="768" b="1"/>
             </a:lvl4pPr>
-            <a:lvl5pPr marL="1316736" indent="0">
-              <a:buNone/>
-              <a:defRPr sz="1152" b="1"/>
+            <a:lvl5pPr marL="878007" indent="0">
+              <a:buNone/>
+              <a:defRPr sz="768" b="1"/>
             </a:lvl5pPr>
-            <a:lvl6pPr marL="1645920" indent="0">
-              <a:buNone/>
-              <a:defRPr sz="1152" b="1"/>
+            <a:lvl6pPr marL="1097509" indent="0">
+              <a:buNone/>
+              <a:defRPr sz="768" b="1"/>
             </a:lvl6pPr>
-            <a:lvl7pPr marL="1975104" indent="0">
-              <a:buNone/>
-              <a:defRPr sz="1152" b="1"/>
+            <a:lvl7pPr marL="1317010" indent="0">
+              <a:buNone/>
+              <a:defRPr sz="768" b="1"/>
             </a:lvl7pPr>
-            <a:lvl8pPr marL="2304288" indent="0">
-              <a:buNone/>
-              <a:defRPr sz="1152" b="1"/>
+            <a:lvl8pPr marL="1536512" indent="0">
+              <a:buNone/>
+              <a:defRPr sz="768" b="1"/>
             </a:lvl8pPr>
-            <a:lvl9pPr marL="2633472" indent="0">
-              <a:buNone/>
-              <a:defRPr sz="1152" b="1"/>
+            <a:lvl9pPr marL="1756014" indent="0">
+              <a:buNone/>
+              <a:defRPr sz="768" b="1"/>
             </a:lvl9pPr>
           </a:lstStyle>
           <a:p>
@@ -1433,8 +1435,8 @@
         </p:nvSpPr>
         <p:spPr>
           <a:xfrm>
-            <a:off x="453464" y="2404756"/>
-            <a:ext cx="2785071" cy="3537034"/>
+            <a:off x="906928" y="1202668"/>
+            <a:ext cx="5570141" cy="1768943"/>
           </a:xfrm>
         </p:spPr>
         <p:txBody>
@@ -1490,8 +1492,8 @@
         </p:nvSpPr>
         <p:spPr>
           <a:xfrm>
-            <a:off x="3332828" y="1613839"/>
-            <a:ext cx="2798787" cy="790917"/>
+            <a:off x="6665655" y="807114"/>
+            <a:ext cx="5597573" cy="395554"/>
           </a:xfrm>
         </p:spPr>
         <p:txBody>
@@ -1499,39 +1501,39 @@
           <a:lstStyle>
             <a:lvl1pPr marL="0" indent="0">
               <a:buNone/>
-              <a:defRPr sz="1728" b="1"/>
+              <a:defRPr sz="1152" b="1"/>
             </a:lvl1pPr>
-            <a:lvl2pPr marL="329184" indent="0">
-              <a:buNone/>
-              <a:defRPr sz="1440" b="1"/>
+            <a:lvl2pPr marL="219502" indent="0">
+              <a:buNone/>
+              <a:defRPr sz="960" b="1"/>
             </a:lvl2pPr>
-            <a:lvl3pPr marL="658368" indent="0">
-              <a:buNone/>
-              <a:defRPr sz="1296" b="1"/>
+            <a:lvl3pPr marL="439003" indent="0">
+              <a:buNone/>
+              <a:defRPr sz="864" b="1"/>
             </a:lvl3pPr>
-            <a:lvl4pPr marL="987552" indent="0">
-              <a:buNone/>
-              <a:defRPr sz="1152" b="1"/>
+            <a:lvl4pPr marL="658505" indent="0">
+              <a:buNone/>
+              <a:defRPr sz="768" b="1"/>
             </a:lvl4pPr>
-            <a:lvl5pPr marL="1316736" indent="0">
-              <a:buNone/>
-              <a:defRPr sz="1152" b="1"/>
+            <a:lvl5pPr marL="878007" indent="0">
+              <a:buNone/>
+              <a:defRPr sz="768" b="1"/>
             </a:lvl5pPr>
-            <a:lvl6pPr marL="1645920" indent="0">
-              <a:buNone/>
-              <a:defRPr sz="1152" b="1"/>
+            <a:lvl6pPr marL="1097509" indent="0">
+              <a:buNone/>
+              <a:defRPr sz="768" b="1"/>
             </a:lvl6pPr>
-            <a:lvl7pPr marL="1975104" indent="0">
-              <a:buNone/>
-              <a:defRPr sz="1152" b="1"/>
+            <a:lvl7pPr marL="1317010" indent="0">
+              <a:buNone/>
+              <a:defRPr sz="768" b="1"/>
             </a:lvl7pPr>
-            <a:lvl8pPr marL="2304288" indent="0">
-              <a:buNone/>
-              <a:defRPr sz="1152" b="1"/>
+            <a:lvl8pPr marL="1536512" indent="0">
+              <a:buNone/>
+              <a:defRPr sz="768" b="1"/>
             </a:lvl8pPr>
-            <a:lvl9pPr marL="2633472" indent="0">
-              <a:buNone/>
-              <a:defRPr sz="1152" b="1"/>
+            <a:lvl9pPr marL="1756014" indent="0">
+              <a:buNone/>
+              <a:defRPr sz="768" b="1"/>
             </a:lvl9pPr>
           </a:lstStyle>
           <a:p>
@@ -1555,8 +1557,8 @@
         </p:nvSpPr>
         <p:spPr>
           <a:xfrm>
-            <a:off x="3332828" y="2404756"/>
-            <a:ext cx="2798787" cy="3537034"/>
+            <a:off x="6665655" y="1202668"/>
+            <a:ext cx="5597573" cy="1768943"/>
           </a:xfrm>
         </p:spPr>
         <p:txBody>
@@ -1617,7 +1619,7 @@
           <a:p>
             <a:fld id="{0F9D4542-8960-0C4A-B481-65CF557F69A4}" type="datetimeFigureOut">
               <a:rPr lang="en-US" smtClean="0"/>
-              <a:t>1/30/18</a:t>
+              <a:t>3/23/18</a:t>
             </a:fld>
             <a:endParaRPr lang="en-US"/>
           </a:p>
@@ -1668,7 +1670,7 @@
     </p:spTree>
     <p:extLst>
       <p:ext uri="{BB962C8B-B14F-4D97-AF65-F5344CB8AC3E}">
-        <p14:creationId xmlns:p14="http://schemas.microsoft.com/office/powerpoint/2010/main" val="910156032"/>
+        <p14:creationId xmlns:p14="http://schemas.microsoft.com/office/powerpoint/2010/main" val="2802918097"/>
       </p:ext>
     </p:extLst>
   </p:cSld>
@@ -1735,7 +1737,7 @@
           <a:p>
             <a:fld id="{0F9D4542-8960-0C4A-B481-65CF557F69A4}" type="datetimeFigureOut">
               <a:rPr lang="en-US" smtClean="0"/>
-              <a:t>1/30/18</a:t>
+              <a:t>3/23/18</a:t>
             </a:fld>
             <a:endParaRPr lang="en-US"/>
           </a:p>
@@ -1786,7 +1788,7 @@
     </p:spTree>
     <p:extLst>
       <p:ext uri="{BB962C8B-B14F-4D97-AF65-F5344CB8AC3E}">
-        <p14:creationId xmlns:p14="http://schemas.microsoft.com/office/powerpoint/2010/main" val="2077645698"/>
+        <p14:creationId xmlns:p14="http://schemas.microsoft.com/office/powerpoint/2010/main" val="1363559487"/>
       </p:ext>
     </p:extLst>
   </p:cSld>
@@ -1830,7 +1832,7 @@
           <a:p>
             <a:fld id="{0F9D4542-8960-0C4A-B481-65CF557F69A4}" type="datetimeFigureOut">
               <a:rPr lang="en-US" smtClean="0"/>
-              <a:t>1/30/18</a:t>
+              <a:t>3/23/18</a:t>
             </a:fld>
             <a:endParaRPr lang="en-US"/>
           </a:p>
@@ -1881,7 +1883,7 @@
     </p:spTree>
     <p:extLst>
       <p:ext uri="{BB962C8B-B14F-4D97-AF65-F5344CB8AC3E}">
-        <p14:creationId xmlns:p14="http://schemas.microsoft.com/office/powerpoint/2010/main" val="1822434213"/>
+        <p14:creationId xmlns:p14="http://schemas.microsoft.com/office/powerpoint/2010/main" val="3502776216"/>
       </p:ext>
     </p:extLst>
   </p:cSld>
@@ -1920,15 +1922,15 @@
         </p:nvSpPr>
         <p:spPr>
           <a:xfrm>
-            <a:off x="453464" y="438891"/>
-            <a:ext cx="2123306" cy="1536118"/>
+            <a:off x="906928" y="219498"/>
+            <a:ext cx="4246611" cy="768244"/>
           </a:xfrm>
         </p:spPr>
         <p:txBody>
           <a:bodyPr anchor="b"/>
           <a:lstStyle>
             <a:lvl1pPr>
-              <a:defRPr sz="2304"/>
+              <a:defRPr sz="1536"/>
             </a:lvl1pPr>
           </a:lstStyle>
           <a:p>
@@ -1952,39 +1954,39 @@
         </p:nvSpPr>
         <p:spPr>
           <a:xfrm>
-            <a:off x="2798787" y="947884"/>
-            <a:ext cx="3332828" cy="4678455"/>
+            <a:off x="5597573" y="474056"/>
+            <a:ext cx="6665655" cy="2339791"/>
           </a:xfrm>
         </p:spPr>
         <p:txBody>
           <a:bodyPr/>
           <a:lstStyle>
             <a:lvl1pPr>
-              <a:defRPr sz="2304"/>
+              <a:defRPr sz="1536"/>
             </a:lvl1pPr>
             <a:lvl2pPr>
-              <a:defRPr sz="2016"/>
+              <a:defRPr sz="1344"/>
             </a:lvl2pPr>
             <a:lvl3pPr>
-              <a:defRPr sz="1728"/>
+              <a:defRPr sz="1152"/>
             </a:lvl3pPr>
             <a:lvl4pPr>
-              <a:defRPr sz="1440"/>
+              <a:defRPr sz="960"/>
             </a:lvl4pPr>
             <a:lvl5pPr>
-              <a:defRPr sz="1440"/>
+              <a:defRPr sz="960"/>
             </a:lvl5pPr>
             <a:lvl6pPr>
-              <a:defRPr sz="1440"/>
+              <a:defRPr sz="960"/>
             </a:lvl6pPr>
             <a:lvl7pPr>
-              <a:defRPr sz="1440"/>
+              <a:defRPr sz="960"/>
             </a:lvl7pPr>
             <a:lvl8pPr>
-              <a:defRPr sz="1440"/>
+              <a:defRPr sz="960"/>
             </a:lvl8pPr>
             <a:lvl9pPr>
-              <a:defRPr sz="1440"/>
+              <a:defRPr sz="960"/>
             </a:lvl9pPr>
           </a:lstStyle>
           <a:p>
@@ -2037,8 +2039,8 @@
         </p:nvSpPr>
         <p:spPr>
           <a:xfrm>
-            <a:off x="453464" y="1975009"/>
-            <a:ext cx="2123306" cy="3658948"/>
+            <a:off x="906928" y="987743"/>
+            <a:ext cx="4246611" cy="1829915"/>
           </a:xfrm>
         </p:spPr>
         <p:txBody>
@@ -2046,39 +2048,39 @@
           <a:lstStyle>
             <a:lvl1pPr marL="0" indent="0">
               <a:buNone/>
-              <a:defRPr sz="1152"/>
+              <a:defRPr sz="768"/>
             </a:lvl1pPr>
-            <a:lvl2pPr marL="329184" indent="0">
-              <a:buNone/>
-              <a:defRPr sz="1008"/>
+            <a:lvl2pPr marL="219502" indent="0">
+              <a:buNone/>
+              <a:defRPr sz="672"/>
             </a:lvl2pPr>
-            <a:lvl3pPr marL="658368" indent="0">
-              <a:buNone/>
-              <a:defRPr sz="864"/>
+            <a:lvl3pPr marL="439003" indent="0">
+              <a:buNone/>
+              <a:defRPr sz="576"/>
             </a:lvl3pPr>
-            <a:lvl4pPr marL="987552" indent="0">
-              <a:buNone/>
-              <a:defRPr sz="720"/>
+            <a:lvl4pPr marL="658505" indent="0">
+              <a:buNone/>
+              <a:defRPr sz="480"/>
             </a:lvl4pPr>
-            <a:lvl5pPr marL="1316736" indent="0">
-              <a:buNone/>
-              <a:defRPr sz="720"/>
+            <a:lvl5pPr marL="878007" indent="0">
+              <a:buNone/>
+              <a:defRPr sz="480"/>
             </a:lvl5pPr>
-            <a:lvl6pPr marL="1645920" indent="0">
-              <a:buNone/>
-              <a:defRPr sz="720"/>
+            <a:lvl6pPr marL="1097509" indent="0">
+              <a:buNone/>
+              <a:defRPr sz="480"/>
             </a:lvl6pPr>
-            <a:lvl7pPr marL="1975104" indent="0">
-              <a:buNone/>
-              <a:defRPr sz="720"/>
+            <a:lvl7pPr marL="1317010" indent="0">
+              <a:buNone/>
+              <a:defRPr sz="480"/>
             </a:lvl7pPr>
-            <a:lvl8pPr marL="2304288" indent="0">
-              <a:buNone/>
-              <a:defRPr sz="720"/>
+            <a:lvl8pPr marL="1536512" indent="0">
+              <a:buNone/>
+              <a:defRPr sz="480"/>
             </a:lvl8pPr>
-            <a:lvl9pPr marL="2633472" indent="0">
-              <a:buNone/>
-              <a:defRPr sz="720"/>
+            <a:lvl9pPr marL="1756014" indent="0">
+              <a:buNone/>
+              <a:defRPr sz="480"/>
             </a:lvl9pPr>
           </a:lstStyle>
           <a:p>
@@ -2107,7 +2109,7 @@
           <a:p>
             <a:fld id="{0F9D4542-8960-0C4A-B481-65CF557F69A4}" type="datetimeFigureOut">
               <a:rPr lang="en-US" smtClean="0"/>
-              <a:t>1/30/18</a:t>
+              <a:t>3/23/18</a:t>
             </a:fld>
             <a:endParaRPr lang="en-US"/>
           </a:p>
@@ -2158,7 +2160,7 @@
     </p:spTree>
     <p:extLst>
       <p:ext uri="{BB962C8B-B14F-4D97-AF65-F5344CB8AC3E}">
-        <p14:creationId xmlns:p14="http://schemas.microsoft.com/office/powerpoint/2010/main" val="3689820653"/>
+        <p14:creationId xmlns:p14="http://schemas.microsoft.com/office/powerpoint/2010/main" val="1587529354"/>
       </p:ext>
     </p:extLst>
   </p:cSld>
@@ -2197,15 +2199,15 @@
         </p:nvSpPr>
         <p:spPr>
           <a:xfrm>
-            <a:off x="453464" y="438891"/>
-            <a:ext cx="2123306" cy="1536118"/>
+            <a:off x="906928" y="219498"/>
+            <a:ext cx="4246611" cy="768244"/>
           </a:xfrm>
         </p:spPr>
         <p:txBody>
           <a:bodyPr anchor="b"/>
           <a:lstStyle>
             <a:lvl1pPr>
-              <a:defRPr sz="2304"/>
+              <a:defRPr sz="1536"/>
             </a:lvl1pPr>
           </a:lstStyle>
           <a:p>
@@ -2229,8 +2231,8 @@
         </p:nvSpPr>
         <p:spPr>
           <a:xfrm>
-            <a:off x="2798787" y="947884"/>
-            <a:ext cx="3332828" cy="4678455"/>
+            <a:off x="5597573" y="474056"/>
+            <a:ext cx="6665655" cy="2339791"/>
           </a:xfrm>
         </p:spPr>
         <p:txBody>
@@ -2238,39 +2240,39 @@
           <a:lstStyle>
             <a:lvl1pPr marL="0" indent="0">
               <a:buNone/>
-              <a:defRPr sz="2304"/>
+              <a:defRPr sz="1536"/>
             </a:lvl1pPr>
-            <a:lvl2pPr marL="329184" indent="0">
-              <a:buNone/>
-              <a:defRPr sz="2016"/>
+            <a:lvl2pPr marL="219502" indent="0">
+              <a:buNone/>
+              <a:defRPr sz="1344"/>
             </a:lvl2pPr>
-            <a:lvl3pPr marL="658368" indent="0">
-              <a:buNone/>
-              <a:defRPr sz="1728"/>
+            <a:lvl3pPr marL="439003" indent="0">
+              <a:buNone/>
+              <a:defRPr sz="1152"/>
             </a:lvl3pPr>
-            <a:lvl4pPr marL="987552" indent="0">
-              <a:buNone/>
-              <a:defRPr sz="1440"/>
+            <a:lvl4pPr marL="658505" indent="0">
+              <a:buNone/>
+              <a:defRPr sz="960"/>
             </a:lvl4pPr>
-            <a:lvl5pPr marL="1316736" indent="0">
-              <a:buNone/>
-              <a:defRPr sz="1440"/>
+            <a:lvl5pPr marL="878007" indent="0">
+              <a:buNone/>
+              <a:defRPr sz="960"/>
             </a:lvl5pPr>
-            <a:lvl6pPr marL="1645920" indent="0">
-              <a:buNone/>
-              <a:defRPr sz="1440"/>
+            <a:lvl6pPr marL="1097509" indent="0">
+              <a:buNone/>
+              <a:defRPr sz="960"/>
             </a:lvl6pPr>
-            <a:lvl7pPr marL="1975104" indent="0">
-              <a:buNone/>
-              <a:defRPr sz="1440"/>
+            <a:lvl7pPr marL="1317010" indent="0">
+              <a:buNone/>
+              <a:defRPr sz="960"/>
             </a:lvl7pPr>
-            <a:lvl8pPr marL="2304288" indent="0">
-              <a:buNone/>
-              <a:defRPr sz="1440"/>
+            <a:lvl8pPr marL="1536512" indent="0">
+              <a:buNone/>
+              <a:defRPr sz="960"/>
             </a:lvl8pPr>
-            <a:lvl9pPr marL="2633472" indent="0">
-              <a:buNone/>
-              <a:defRPr sz="1440"/>
+            <a:lvl9pPr marL="1756014" indent="0">
+              <a:buNone/>
+              <a:defRPr sz="960"/>
             </a:lvl9pPr>
           </a:lstStyle>
           <a:p>
@@ -2294,8 +2296,8 @@
         </p:nvSpPr>
         <p:spPr>
           <a:xfrm>
-            <a:off x="453464" y="1975009"/>
-            <a:ext cx="2123306" cy="3658948"/>
+            <a:off x="906928" y="987743"/>
+            <a:ext cx="4246611" cy="1829915"/>
           </a:xfrm>
         </p:spPr>
         <p:txBody>
@@ -2303,39 +2305,39 @@
           <a:lstStyle>
             <a:lvl1pPr marL="0" indent="0">
               <a:buNone/>
-              <a:defRPr sz="1152"/>
+              <a:defRPr sz="768"/>
             </a:lvl1pPr>
-            <a:lvl2pPr marL="329184" indent="0">
-              <a:buNone/>
-              <a:defRPr sz="1008"/>
+            <a:lvl2pPr marL="219502" indent="0">
+              <a:buNone/>
+              <a:defRPr sz="672"/>
             </a:lvl2pPr>
-            <a:lvl3pPr marL="658368" indent="0">
-              <a:buNone/>
-              <a:defRPr sz="864"/>
+            <a:lvl3pPr marL="439003" indent="0">
+              <a:buNone/>
+              <a:defRPr sz="576"/>
             </a:lvl3pPr>
-            <a:lvl4pPr marL="987552" indent="0">
-              <a:buNone/>
-              <a:defRPr sz="720"/>
+            <a:lvl4pPr marL="658505" indent="0">
+              <a:buNone/>
+              <a:defRPr sz="480"/>
             </a:lvl4pPr>
-            <a:lvl5pPr marL="1316736" indent="0">
-              <a:buNone/>
-              <a:defRPr sz="720"/>
+            <a:lvl5pPr marL="878007" indent="0">
+              <a:buNone/>
+              <a:defRPr sz="480"/>
             </a:lvl5pPr>
-            <a:lvl6pPr marL="1645920" indent="0">
-              <a:buNone/>
-              <a:defRPr sz="720"/>
+            <a:lvl6pPr marL="1097509" indent="0">
+              <a:buNone/>
+              <a:defRPr sz="480"/>
             </a:lvl6pPr>
-            <a:lvl7pPr marL="1975104" indent="0">
-              <a:buNone/>
-              <a:defRPr sz="720"/>
+            <a:lvl7pPr marL="1317010" indent="0">
+              <a:buNone/>
+              <a:defRPr sz="480"/>
             </a:lvl7pPr>
-            <a:lvl8pPr marL="2304288" indent="0">
-              <a:buNone/>
-              <a:defRPr sz="720"/>
+            <a:lvl8pPr marL="1536512" indent="0">
+              <a:buNone/>
+              <a:defRPr sz="480"/>
             </a:lvl8pPr>
-            <a:lvl9pPr marL="2633472" indent="0">
-              <a:buNone/>
-              <a:defRPr sz="720"/>
+            <a:lvl9pPr marL="1756014" indent="0">
+              <a:buNone/>
+              <a:defRPr sz="480"/>
             </a:lvl9pPr>
           </a:lstStyle>
           <a:p>
@@ -2364,7 +2366,7 @@
           <a:p>
             <a:fld id="{0F9D4542-8960-0C4A-B481-65CF557F69A4}" type="datetimeFigureOut">
               <a:rPr lang="en-US" smtClean="0"/>
-              <a:t>1/30/18</a:t>
+              <a:t>3/23/18</a:t>
             </a:fld>
             <a:endParaRPr lang="en-US"/>
           </a:p>
@@ -2415,7 +2417,7 @@
     </p:spTree>
     <p:extLst>
       <p:ext uri="{BB962C8B-B14F-4D97-AF65-F5344CB8AC3E}">
-        <p14:creationId xmlns:p14="http://schemas.microsoft.com/office/powerpoint/2010/main" val="4007997740"/>
+        <p14:creationId xmlns:p14="http://schemas.microsoft.com/office/powerpoint/2010/main" val="2383976762"/>
       </p:ext>
     </p:extLst>
   </p:cSld>
@@ -2459,8 +2461,8 @@
         </p:nvSpPr>
         <p:spPr>
           <a:xfrm>
-            <a:off x="452606" y="350505"/>
-            <a:ext cx="5678151" cy="1272479"/>
+            <a:off x="905213" y="175294"/>
+            <a:ext cx="11356300" cy="636393"/>
           </a:xfrm>
           <a:prstGeom prst="rect">
             <a:avLst/>
@@ -2492,8 +2494,8 @@
         </p:nvSpPr>
         <p:spPr>
           <a:xfrm>
-            <a:off x="452606" y="1752516"/>
-            <a:ext cx="5678151" cy="4177083"/>
+            <a:off x="905213" y="876469"/>
+            <a:ext cx="11356300" cy="2089045"/>
           </a:xfrm>
           <a:prstGeom prst="rect">
             <a:avLst/>
@@ -2554,8 +2556,8 @@
         </p:nvSpPr>
         <p:spPr>
           <a:xfrm>
-            <a:off x="452606" y="6101804"/>
-            <a:ext cx="1481257" cy="350503"/>
+            <a:off x="905212" y="3051637"/>
+            <a:ext cx="2962513" cy="175294"/>
           </a:xfrm>
           <a:prstGeom prst="rect">
             <a:avLst/>
@@ -2565,7 +2567,7 @@
           <a:bodyPr vert="horz" lIns="91440" tIns="45720" rIns="91440" bIns="45720" rtlCol="0" anchor="ctr"/>
           <a:lstStyle>
             <a:lvl1pPr algn="l">
-              <a:defRPr sz="864">
+              <a:defRPr sz="576">
                 <a:solidFill>
                   <a:schemeClr val="tx1">
                     <a:tint val="75000"/>
@@ -2577,7 +2579,7 @@
           <a:p>
             <a:fld id="{0F9D4542-8960-0C4A-B481-65CF557F69A4}" type="datetimeFigureOut">
               <a:rPr lang="en-US" smtClean="0"/>
-              <a:t>1/30/18</a:t>
+              <a:t>3/23/18</a:t>
             </a:fld>
             <a:endParaRPr lang="en-US"/>
           </a:p>
@@ -2595,8 +2597,8 @@
         </p:nvSpPr>
         <p:spPr>
           <a:xfrm>
-            <a:off x="2180739" y="6101804"/>
-            <a:ext cx="2221885" cy="350503"/>
+            <a:off x="4361478" y="3051637"/>
+            <a:ext cx="4443770" cy="175294"/>
           </a:xfrm>
           <a:prstGeom prst="rect">
             <a:avLst/>
@@ -2606,7 +2608,7 @@
           <a:bodyPr vert="horz" lIns="91440" tIns="45720" rIns="91440" bIns="45720" rtlCol="0" anchor="ctr"/>
           <a:lstStyle>
             <a:lvl1pPr algn="ctr">
-              <a:defRPr sz="864">
+              <a:defRPr sz="576">
                 <a:solidFill>
                   <a:schemeClr val="tx1">
                     <a:tint val="75000"/>
@@ -2632,8 +2634,8 @@
         </p:nvSpPr>
         <p:spPr>
           <a:xfrm>
-            <a:off x="4649500" y="6101804"/>
-            <a:ext cx="1481257" cy="350503"/>
+            <a:off x="9299000" y="3051637"/>
+            <a:ext cx="2962513" cy="175294"/>
           </a:xfrm>
           <a:prstGeom prst="rect">
             <a:avLst/>
@@ -2643,7 +2645,7 @@
           <a:bodyPr vert="horz" lIns="91440" tIns="45720" rIns="91440" bIns="45720" rtlCol="0" anchor="ctr"/>
           <a:lstStyle>
             <a:lvl1pPr algn="r">
-              <a:defRPr sz="864">
+              <a:defRPr sz="576">
                 <a:solidFill>
                   <a:schemeClr val="tx1">
                     <a:tint val="75000"/>
@@ -2664,27 +2666,27 @@
     </p:spTree>
     <p:extLst>
       <p:ext uri="{BB962C8B-B14F-4D97-AF65-F5344CB8AC3E}">
-        <p14:creationId xmlns:p14="http://schemas.microsoft.com/office/powerpoint/2010/main" val="787235149"/>
+        <p14:creationId xmlns:p14="http://schemas.microsoft.com/office/powerpoint/2010/main" val="3669033457"/>
       </p:ext>
     </p:extLst>
   </p:cSld>
   <p:clrMap bg1="lt1" tx1="dk1" bg2="lt2" tx2="dk2" accent1="accent1" accent2="accent2" accent3="accent3" accent4="accent4" accent5="accent5" accent6="accent6" hlink="hlink" folHlink="folHlink"/>
   <p:sldLayoutIdLst>
-    <p:sldLayoutId id="2147483673" r:id="rId1"/>
-    <p:sldLayoutId id="2147483674" r:id="rId2"/>
-    <p:sldLayoutId id="2147483675" r:id="rId3"/>
-    <p:sldLayoutId id="2147483676" r:id="rId4"/>
-    <p:sldLayoutId id="2147483677" r:id="rId5"/>
-    <p:sldLayoutId id="2147483678" r:id="rId6"/>
-    <p:sldLayoutId id="2147483679" r:id="rId7"/>
-    <p:sldLayoutId id="2147483680" r:id="rId8"/>
-    <p:sldLayoutId id="2147483681" r:id="rId9"/>
-    <p:sldLayoutId id="2147483682" r:id="rId10"/>
-    <p:sldLayoutId id="2147483683" r:id="rId11"/>
+    <p:sldLayoutId id="2147483685" r:id="rId1"/>
+    <p:sldLayoutId id="2147483686" r:id="rId2"/>
+    <p:sldLayoutId id="2147483687" r:id="rId3"/>
+    <p:sldLayoutId id="2147483688" r:id="rId4"/>
+    <p:sldLayoutId id="2147483689" r:id="rId5"/>
+    <p:sldLayoutId id="2147483690" r:id="rId6"/>
+    <p:sldLayoutId id="2147483691" r:id="rId7"/>
+    <p:sldLayoutId id="2147483692" r:id="rId8"/>
+    <p:sldLayoutId id="2147483693" r:id="rId9"/>
+    <p:sldLayoutId id="2147483694" r:id="rId10"/>
+    <p:sldLayoutId id="2147483695" r:id="rId11"/>
   </p:sldLayoutIdLst>
   <p:txStyles>
     <p:titleStyle>
-      <a:lvl1pPr algn="l" defTabSz="658368" rtl="0" eaLnBrk="1" latinLnBrk="0" hangingPunct="1">
+      <a:lvl1pPr algn="l" defTabSz="439003" rtl="0" eaLnBrk="1" latinLnBrk="0" hangingPunct="1">
         <a:lnSpc>
           <a:spcPct val="90000"/>
         </a:lnSpc>
@@ -2692,7 +2694,7 @@
           <a:spcPct val="0"/>
         </a:spcBef>
         <a:buNone/>
-        <a:defRPr sz="3168" kern="1200">
+        <a:defRPr sz="2112" kern="1200">
           <a:solidFill>
             <a:schemeClr val="tx1"/>
           </a:solidFill>
@@ -2703,16 +2705,16 @@
       </a:lvl1pPr>
     </p:titleStyle>
     <p:bodyStyle>
-      <a:lvl1pPr marL="164592" indent="-164592" algn="l" defTabSz="658368" rtl="0" eaLnBrk="1" latinLnBrk="0" hangingPunct="1">
+      <a:lvl1pPr marL="109751" indent="-109751" algn="l" defTabSz="439003" rtl="0" eaLnBrk="1" latinLnBrk="0" hangingPunct="1">
         <a:lnSpc>
           <a:spcPct val="90000"/>
         </a:lnSpc>
         <a:spcBef>
-          <a:spcPts val="720"/>
+          <a:spcPts val="480"/>
         </a:spcBef>
         <a:buFont typeface="Arial" panose="020B0604020202020204" pitchFamily="34" charset="0"/>
         <a:buChar char="•"/>
-        <a:defRPr sz="2016" kern="1200">
+        <a:defRPr sz="1344" kern="1200">
           <a:solidFill>
             <a:schemeClr val="tx1"/>
           </a:solidFill>
@@ -2721,16 +2723,16 @@
           <a:cs typeface="+mn-cs"/>
         </a:defRPr>
       </a:lvl1pPr>
-      <a:lvl2pPr marL="493776" indent="-164592" algn="l" defTabSz="658368" rtl="0" eaLnBrk="1" latinLnBrk="0" hangingPunct="1">
+      <a:lvl2pPr marL="329253" indent="-109751" algn="l" defTabSz="439003" rtl="0" eaLnBrk="1" latinLnBrk="0" hangingPunct="1">
         <a:lnSpc>
           <a:spcPct val="90000"/>
         </a:lnSpc>
         <a:spcBef>
-          <a:spcPts val="360"/>
+          <a:spcPts val="240"/>
         </a:spcBef>
         <a:buFont typeface="Arial" panose="020B0604020202020204" pitchFamily="34" charset="0"/>
         <a:buChar char="•"/>
-        <a:defRPr sz="1728" kern="1200">
+        <a:defRPr sz="1152" kern="1200">
           <a:solidFill>
             <a:schemeClr val="tx1"/>
           </a:solidFill>
@@ -2739,16 +2741,16 @@
           <a:cs typeface="+mn-cs"/>
         </a:defRPr>
       </a:lvl2pPr>
-      <a:lvl3pPr marL="822960" indent="-164592" algn="l" defTabSz="658368" rtl="0" eaLnBrk="1" latinLnBrk="0" hangingPunct="1">
+      <a:lvl3pPr marL="548754" indent="-109751" algn="l" defTabSz="439003" rtl="0" eaLnBrk="1" latinLnBrk="0" hangingPunct="1">
         <a:lnSpc>
           <a:spcPct val="90000"/>
         </a:lnSpc>
         <a:spcBef>
-          <a:spcPts val="360"/>
+          <a:spcPts val="240"/>
         </a:spcBef>
         <a:buFont typeface="Arial" panose="020B0604020202020204" pitchFamily="34" charset="0"/>
         <a:buChar char="•"/>
-        <a:defRPr sz="1440" kern="1200">
+        <a:defRPr sz="960" kern="1200">
           <a:solidFill>
             <a:schemeClr val="tx1"/>
           </a:solidFill>
@@ -2757,16 +2759,16 @@
           <a:cs typeface="+mn-cs"/>
         </a:defRPr>
       </a:lvl3pPr>
-      <a:lvl4pPr marL="1152144" indent="-164592" algn="l" defTabSz="658368" rtl="0" eaLnBrk="1" latinLnBrk="0" hangingPunct="1">
+      <a:lvl4pPr marL="768256" indent="-109751" algn="l" defTabSz="439003" rtl="0" eaLnBrk="1" latinLnBrk="0" hangingPunct="1">
         <a:lnSpc>
           <a:spcPct val="90000"/>
         </a:lnSpc>
         <a:spcBef>
-          <a:spcPts val="360"/>
+          <a:spcPts val="240"/>
         </a:spcBef>
         <a:buFont typeface="Arial" panose="020B0604020202020204" pitchFamily="34" charset="0"/>
         <a:buChar char="•"/>
-        <a:defRPr sz="1296" kern="1200">
+        <a:defRPr sz="864" kern="1200">
           <a:solidFill>
             <a:schemeClr val="tx1"/>
           </a:solidFill>
@@ -2775,16 +2777,16 @@
           <a:cs typeface="+mn-cs"/>
         </a:defRPr>
       </a:lvl4pPr>
-      <a:lvl5pPr marL="1481328" indent="-164592" algn="l" defTabSz="658368" rtl="0" eaLnBrk="1" latinLnBrk="0" hangingPunct="1">
+      <a:lvl5pPr marL="987758" indent="-109751" algn="l" defTabSz="439003" rtl="0" eaLnBrk="1" latinLnBrk="0" hangingPunct="1">
         <a:lnSpc>
           <a:spcPct val="90000"/>
         </a:lnSpc>
         <a:spcBef>
-          <a:spcPts val="360"/>
+          <a:spcPts val="240"/>
         </a:spcBef>
         <a:buFont typeface="Arial" panose="020B0604020202020204" pitchFamily="34" charset="0"/>
         <a:buChar char="•"/>
-        <a:defRPr sz="1296" kern="1200">
+        <a:defRPr sz="864" kern="1200">
           <a:solidFill>
             <a:schemeClr val="tx1"/>
           </a:solidFill>
@@ -2793,16 +2795,16 @@
           <a:cs typeface="+mn-cs"/>
         </a:defRPr>
       </a:lvl5pPr>
-      <a:lvl6pPr marL="1810512" indent="-164592" algn="l" defTabSz="658368" rtl="0" eaLnBrk="1" latinLnBrk="0" hangingPunct="1">
+      <a:lvl6pPr marL="1207259" indent="-109751" algn="l" defTabSz="439003" rtl="0" eaLnBrk="1" latinLnBrk="0" hangingPunct="1">
         <a:lnSpc>
           <a:spcPct val="90000"/>
         </a:lnSpc>
         <a:spcBef>
-          <a:spcPts val="360"/>
+          <a:spcPts val="240"/>
         </a:spcBef>
         <a:buFont typeface="Arial" panose="020B0604020202020204" pitchFamily="34" charset="0"/>
         <a:buChar char="•"/>
-        <a:defRPr sz="1296" kern="1200">
+        <a:defRPr sz="864" kern="1200">
           <a:solidFill>
             <a:schemeClr val="tx1"/>
           </a:solidFill>
@@ -2811,16 +2813,16 @@
           <a:cs typeface="+mn-cs"/>
         </a:defRPr>
       </a:lvl6pPr>
-      <a:lvl7pPr marL="2139696" indent="-164592" algn="l" defTabSz="658368" rtl="0" eaLnBrk="1" latinLnBrk="0" hangingPunct="1">
+      <a:lvl7pPr marL="1426761" indent="-109751" algn="l" defTabSz="439003" rtl="0" eaLnBrk="1" latinLnBrk="0" hangingPunct="1">
         <a:lnSpc>
           <a:spcPct val="90000"/>
         </a:lnSpc>
         <a:spcBef>
-          <a:spcPts val="360"/>
+          <a:spcPts val="240"/>
         </a:spcBef>
         <a:buFont typeface="Arial" panose="020B0604020202020204" pitchFamily="34" charset="0"/>
         <a:buChar char="•"/>
-        <a:defRPr sz="1296" kern="1200">
+        <a:defRPr sz="864" kern="1200">
           <a:solidFill>
             <a:schemeClr val="tx1"/>
           </a:solidFill>
@@ -2829,16 +2831,16 @@
           <a:cs typeface="+mn-cs"/>
         </a:defRPr>
       </a:lvl7pPr>
-      <a:lvl8pPr marL="2468880" indent="-164592" algn="l" defTabSz="658368" rtl="0" eaLnBrk="1" latinLnBrk="0" hangingPunct="1">
+      <a:lvl8pPr marL="1646263" indent="-109751" algn="l" defTabSz="439003" rtl="0" eaLnBrk="1" latinLnBrk="0" hangingPunct="1">
         <a:lnSpc>
           <a:spcPct val="90000"/>
         </a:lnSpc>
         <a:spcBef>
-          <a:spcPts val="360"/>
+          <a:spcPts val="240"/>
         </a:spcBef>
         <a:buFont typeface="Arial" panose="020B0604020202020204" pitchFamily="34" charset="0"/>
         <a:buChar char="•"/>
-        <a:defRPr sz="1296" kern="1200">
+        <a:defRPr sz="864" kern="1200">
           <a:solidFill>
             <a:schemeClr val="tx1"/>
           </a:solidFill>
@@ -2847,16 +2849,16 @@
           <a:cs typeface="+mn-cs"/>
         </a:defRPr>
       </a:lvl8pPr>
-      <a:lvl9pPr marL="2798064" indent="-164592" algn="l" defTabSz="658368" rtl="0" eaLnBrk="1" latinLnBrk="0" hangingPunct="1">
+      <a:lvl9pPr marL="1865765" indent="-109751" algn="l" defTabSz="439003" rtl="0" eaLnBrk="1" latinLnBrk="0" hangingPunct="1">
         <a:lnSpc>
           <a:spcPct val="90000"/>
         </a:lnSpc>
         <a:spcBef>
-          <a:spcPts val="360"/>
+          <a:spcPts val="240"/>
         </a:spcBef>
         <a:buFont typeface="Arial" panose="020B0604020202020204" pitchFamily="34" charset="0"/>
         <a:buChar char="•"/>
-        <a:defRPr sz="1296" kern="1200">
+        <a:defRPr sz="864" kern="1200">
           <a:solidFill>
             <a:schemeClr val="tx1"/>
           </a:solidFill>
@@ -2870,8 +2872,8 @@
       <a:defPPr>
         <a:defRPr lang="en-US"/>
       </a:defPPr>
-      <a:lvl1pPr marL="0" algn="l" defTabSz="658368" rtl="0" eaLnBrk="1" latinLnBrk="0" hangingPunct="1">
-        <a:defRPr sz="1296" kern="1200">
+      <a:lvl1pPr marL="0" algn="l" defTabSz="439003" rtl="0" eaLnBrk="1" latinLnBrk="0" hangingPunct="1">
+        <a:defRPr sz="864" kern="1200">
           <a:solidFill>
             <a:schemeClr val="tx1"/>
           </a:solidFill>
@@ -2880,8 +2882,8 @@
           <a:cs typeface="+mn-cs"/>
         </a:defRPr>
       </a:lvl1pPr>
-      <a:lvl2pPr marL="329184" algn="l" defTabSz="658368" rtl="0" eaLnBrk="1" latinLnBrk="0" hangingPunct="1">
-        <a:defRPr sz="1296" kern="1200">
+      <a:lvl2pPr marL="219502" algn="l" defTabSz="439003" rtl="0" eaLnBrk="1" latinLnBrk="0" hangingPunct="1">
+        <a:defRPr sz="864" kern="1200">
           <a:solidFill>
             <a:schemeClr val="tx1"/>
           </a:solidFill>
@@ -2890,8 +2892,8 @@
           <a:cs typeface="+mn-cs"/>
         </a:defRPr>
       </a:lvl2pPr>
-      <a:lvl3pPr marL="658368" algn="l" defTabSz="658368" rtl="0" eaLnBrk="1" latinLnBrk="0" hangingPunct="1">
-        <a:defRPr sz="1296" kern="1200">
+      <a:lvl3pPr marL="439003" algn="l" defTabSz="439003" rtl="0" eaLnBrk="1" latinLnBrk="0" hangingPunct="1">
+        <a:defRPr sz="864" kern="1200">
           <a:solidFill>
             <a:schemeClr val="tx1"/>
           </a:solidFill>
@@ -2900,8 +2902,8 @@
           <a:cs typeface="+mn-cs"/>
         </a:defRPr>
       </a:lvl3pPr>
-      <a:lvl4pPr marL="987552" algn="l" defTabSz="658368" rtl="0" eaLnBrk="1" latinLnBrk="0" hangingPunct="1">
-        <a:defRPr sz="1296" kern="1200">
+      <a:lvl4pPr marL="658505" algn="l" defTabSz="439003" rtl="0" eaLnBrk="1" latinLnBrk="0" hangingPunct="1">
+        <a:defRPr sz="864" kern="1200">
           <a:solidFill>
             <a:schemeClr val="tx1"/>
           </a:solidFill>
@@ -2910,8 +2912,8 @@
           <a:cs typeface="+mn-cs"/>
         </a:defRPr>
       </a:lvl4pPr>
-      <a:lvl5pPr marL="1316736" algn="l" defTabSz="658368" rtl="0" eaLnBrk="1" latinLnBrk="0" hangingPunct="1">
-        <a:defRPr sz="1296" kern="1200">
+      <a:lvl5pPr marL="878007" algn="l" defTabSz="439003" rtl="0" eaLnBrk="1" latinLnBrk="0" hangingPunct="1">
+        <a:defRPr sz="864" kern="1200">
           <a:solidFill>
             <a:schemeClr val="tx1"/>
           </a:solidFill>
@@ -2920,8 +2922,8 @@
           <a:cs typeface="+mn-cs"/>
         </a:defRPr>
       </a:lvl5pPr>
-      <a:lvl6pPr marL="1645920" algn="l" defTabSz="658368" rtl="0" eaLnBrk="1" latinLnBrk="0" hangingPunct="1">
-        <a:defRPr sz="1296" kern="1200">
+      <a:lvl6pPr marL="1097509" algn="l" defTabSz="439003" rtl="0" eaLnBrk="1" latinLnBrk="0" hangingPunct="1">
+        <a:defRPr sz="864" kern="1200">
           <a:solidFill>
             <a:schemeClr val="tx1"/>
           </a:solidFill>
@@ -2930,8 +2932,8 @@
           <a:cs typeface="+mn-cs"/>
         </a:defRPr>
       </a:lvl6pPr>
-      <a:lvl7pPr marL="1975104" algn="l" defTabSz="658368" rtl="0" eaLnBrk="1" latinLnBrk="0" hangingPunct="1">
-        <a:defRPr sz="1296" kern="1200">
+      <a:lvl7pPr marL="1317010" algn="l" defTabSz="439003" rtl="0" eaLnBrk="1" latinLnBrk="0" hangingPunct="1">
+        <a:defRPr sz="864" kern="1200">
           <a:solidFill>
             <a:schemeClr val="tx1"/>
           </a:solidFill>
@@ -2940,8 +2942,8 @@
           <a:cs typeface="+mn-cs"/>
         </a:defRPr>
       </a:lvl7pPr>
-      <a:lvl8pPr marL="2304288" algn="l" defTabSz="658368" rtl="0" eaLnBrk="1" latinLnBrk="0" hangingPunct="1">
-        <a:defRPr sz="1296" kern="1200">
+      <a:lvl8pPr marL="1536512" algn="l" defTabSz="439003" rtl="0" eaLnBrk="1" latinLnBrk="0" hangingPunct="1">
+        <a:defRPr sz="864" kern="1200">
           <a:solidFill>
             <a:schemeClr val="tx1"/>
           </a:solidFill>
@@ -2950,8 +2952,8 @@
           <a:cs typeface="+mn-cs"/>
         </a:defRPr>
       </a:lvl8pPr>
-      <a:lvl9pPr marL="2633472" algn="l" defTabSz="658368" rtl="0" eaLnBrk="1" latinLnBrk="0" hangingPunct="1">
-        <a:defRPr sz="1296" kern="1200">
+      <a:lvl9pPr marL="1756014" algn="l" defTabSz="439003" rtl="0" eaLnBrk="1" latinLnBrk="0" hangingPunct="1">
+        <a:defRPr sz="864" kern="1200">
           <a:solidFill>
             <a:schemeClr val="tx1"/>
           </a:solidFill>
@@ -2984,10 +2986,10 @@
       </p:grpSpPr>
       <p:pic>
         <p:nvPicPr>
-          <p:cNvPr id="5" name="Picture 4">
+          <p:cNvPr id="6" name="Picture 5">
             <a:extLst>
               <a:ext uri="{FF2B5EF4-FFF2-40B4-BE49-F238E27FC236}">
-                <a16:creationId xmlns:a16="http://schemas.microsoft.com/office/drawing/2014/main" id="{AFD2C3E4-B270-4E42-8F75-B91697B27CD9}"/>
+                <a16:creationId xmlns:a16="http://schemas.microsoft.com/office/drawing/2014/main" id="{12EFC95A-2617-0040-A29C-C618423019F1}"/>
               </a:ext>
             </a:extLst>
           </p:cNvPr>
@@ -3010,7 +3012,7 @@
         </p:blipFill>
         <p:spPr>
           <a:xfrm>
-            <a:off x="13455" y="99391"/>
+            <a:off x="0" y="57104"/>
             <a:ext cx="3249762" cy="3178267"/>
           </a:xfrm>
           <a:prstGeom prst="rect">
@@ -3020,10 +3022,10 @@
       </p:pic>
       <p:pic>
         <p:nvPicPr>
-          <p:cNvPr id="7" name="Picture 6">
+          <p:cNvPr id="8" name="Picture 7">
             <a:extLst>
               <a:ext uri="{FF2B5EF4-FFF2-40B4-BE49-F238E27FC236}">
-                <a16:creationId xmlns:a16="http://schemas.microsoft.com/office/drawing/2014/main" id="{B461573D-222A-8440-B35E-E20D771D3DDF}"/>
+                <a16:creationId xmlns:a16="http://schemas.microsoft.com/office/drawing/2014/main" id="{6ECDEE94-B9D4-1447-BC03-80EFD2CDE28B}"/>
               </a:ext>
             </a:extLst>
           </p:cNvPr>
@@ -3046,7 +3048,7 @@
         </p:blipFill>
         <p:spPr>
           <a:xfrm>
-            <a:off x="3332231" y="99390"/>
+            <a:off x="3294632" y="57103"/>
             <a:ext cx="3249761" cy="3178268"/>
           </a:xfrm>
           <a:prstGeom prst="rect">
@@ -3056,10 +3058,10 @@
       </p:pic>
       <p:pic>
         <p:nvPicPr>
-          <p:cNvPr id="9" name="Picture 8">
+          <p:cNvPr id="10" name="Picture 9">
             <a:extLst>
               <a:ext uri="{FF2B5EF4-FFF2-40B4-BE49-F238E27FC236}">
-                <a16:creationId xmlns:a16="http://schemas.microsoft.com/office/drawing/2014/main" id="{F280C8DC-DA40-7D45-BAEE-9F4BE8E3152D}"/>
+                <a16:creationId xmlns:a16="http://schemas.microsoft.com/office/drawing/2014/main" id="{5F890746-9363-6A4C-B06E-D45C4B9D3C13}"/>
               </a:ext>
             </a:extLst>
           </p:cNvPr>
@@ -3082,7 +3084,7 @@
         </p:blipFill>
         <p:spPr>
           <a:xfrm>
-            <a:off x="13455" y="3346671"/>
+            <a:off x="6606216" y="57103"/>
             <a:ext cx="3249762" cy="3178267"/>
           </a:xfrm>
           <a:prstGeom prst="rect">
@@ -3092,10 +3094,10 @@
       </p:pic>
       <p:pic>
         <p:nvPicPr>
-          <p:cNvPr id="11" name="Picture 10">
+          <p:cNvPr id="12" name="Picture 11">
             <a:extLst>
               <a:ext uri="{FF2B5EF4-FFF2-40B4-BE49-F238E27FC236}">
-                <a16:creationId xmlns:a16="http://schemas.microsoft.com/office/drawing/2014/main" id="{5571CD04-ABBF-AA45-9E3D-2DA8C646F9B5}"/>
+                <a16:creationId xmlns:a16="http://schemas.microsoft.com/office/drawing/2014/main" id="{1381E00E-2AEA-C243-93B6-BDF5B730FCFB}"/>
               </a:ext>
             </a:extLst>
           </p:cNvPr>
@@ -3118,7 +3120,7 @@
         </p:blipFill>
         <p:spPr>
           <a:xfrm>
-            <a:off x="3332231" y="3346671"/>
+            <a:off x="9896535" y="57102"/>
             <a:ext cx="3249761" cy="3178267"/>
           </a:xfrm>
           <a:prstGeom prst="rect">
